--- a/수업교제/2025/1학기/파이썬 기초02.pptx
+++ b/수업교제/2025/1학기/파이썬 기초02.pptx
@@ -303,7 +303,7 @@
             <a:fld id="{87DE6118-2437-4B30-8E3C-4D2BE6020583}" type="datetimeFigureOut">
               <a:rPr lang="en-US" dirty="0"/>
               <a:pPr/>
-              <a:t>8/30/2024</a:t>
+              <a:t>3/20/2025</a:t>
             </a:fld>
             <a:endParaRPr lang="en-US" dirty="0"/>
           </a:p>
@@ -629,7 +629,7 @@
           <a:p>
             <a:fld id="{87DE6118-2437-4B30-8E3C-4D2BE6020583}" type="datetimeFigureOut">
               <a:rPr lang="en-US" dirty="0"/>
-              <a:t>8/30/2024</a:t>
+              <a:t>3/20/2025</a:t>
             </a:fld>
             <a:endParaRPr lang="en-US" dirty="0"/>
           </a:p>
@@ -804,7 +804,7 @@
           <a:p>
             <a:fld id="{87DE6118-2437-4B30-8E3C-4D2BE6020583}" type="datetimeFigureOut">
               <a:rPr lang="en-US" dirty="0"/>
-              <a:t>8/30/2024</a:t>
+              <a:t>3/20/2025</a:t>
             </a:fld>
             <a:endParaRPr lang="en-US" dirty="0"/>
           </a:p>
@@ -969,7 +969,7 @@
           <a:p>
             <a:fld id="{87DE6118-2437-4B30-8E3C-4D2BE6020583}" type="datetimeFigureOut">
               <a:rPr lang="en-US" dirty="0"/>
-              <a:t>8/30/2024</a:t>
+              <a:t>3/20/2025</a:t>
             </a:fld>
             <a:endParaRPr lang="en-US" dirty="0"/>
           </a:p>
@@ -1242,7 +1242,7 @@
             <a:fld id="{87DE6118-2437-4B30-8E3C-4D2BE6020583}" type="datetimeFigureOut">
               <a:rPr lang="en-US" dirty="0"/>
               <a:pPr/>
-              <a:t>8/30/2024</a:t>
+              <a:t>3/20/2025</a:t>
             </a:fld>
             <a:endParaRPr lang="en-US" dirty="0"/>
           </a:p>
@@ -1632,7 +1632,7 @@
           <a:p>
             <a:fld id="{87DE6118-2437-4B30-8E3C-4D2BE6020583}" type="datetimeFigureOut">
               <a:rPr lang="en-US" dirty="0"/>
-              <a:t>8/30/2024</a:t>
+              <a:t>3/20/2025</a:t>
             </a:fld>
             <a:endParaRPr lang="en-US" dirty="0"/>
           </a:p>
@@ -2104,7 +2104,7 @@
           <a:p>
             <a:fld id="{87DE6118-2437-4B30-8E3C-4D2BE6020583}" type="datetimeFigureOut">
               <a:rPr lang="en-US" dirty="0"/>
-              <a:t>8/30/2024</a:t>
+              <a:t>3/20/2025</a:t>
             </a:fld>
             <a:endParaRPr lang="en-US" dirty="0"/>
           </a:p>
@@ -2217,7 +2217,7 @@
           <a:p>
             <a:fld id="{87DE6118-2437-4B30-8E3C-4D2BE6020583}" type="datetimeFigureOut">
               <a:rPr lang="en-US" dirty="0"/>
-              <a:t>8/30/2024</a:t>
+              <a:t>3/20/2025</a:t>
             </a:fld>
             <a:endParaRPr lang="en-US" dirty="0"/>
           </a:p>
@@ -2307,7 +2307,7 @@
           <a:p>
             <a:fld id="{87DE6118-2437-4B30-8E3C-4D2BE6020583}" type="datetimeFigureOut">
               <a:rPr lang="en-US" dirty="0"/>
-              <a:t>8/30/2024</a:t>
+              <a:t>3/20/2025</a:t>
             </a:fld>
             <a:endParaRPr lang="en-US" dirty="0"/>
           </a:p>
@@ -2649,7 +2649,7 @@
             <a:fld id="{87DE6118-2437-4B30-8E3C-4D2BE6020583}" type="datetimeFigureOut">
               <a:rPr lang="en-US" dirty="0"/>
               <a:pPr/>
-              <a:t>8/30/2024</a:t>
+              <a:t>3/20/2025</a:t>
             </a:fld>
             <a:endParaRPr lang="en-US" dirty="0"/>
           </a:p>
@@ -3034,7 +3034,7 @@
             <a:fld id="{87DE6118-2437-4B30-8E3C-4D2BE6020583}" type="datetimeFigureOut">
               <a:rPr lang="en-US" dirty="0"/>
               <a:pPr/>
-              <a:t>8/30/2024</a:t>
+              <a:t>3/20/2025</a:t>
             </a:fld>
             <a:endParaRPr lang="en-US" dirty="0"/>
           </a:p>
@@ -3309,7 +3309,7 @@
             <a:fld id="{87DE6118-2437-4B30-8E3C-4D2BE6020583}" type="datetimeFigureOut">
               <a:rPr lang="en-US" dirty="0"/>
               <a:pPr/>
-              <a:t>8/30/2024</a:t>
+              <a:t>3/20/2025</a:t>
             </a:fld>
             <a:endParaRPr lang="en-US" dirty="0"/>
           </a:p>
@@ -3844,9 +3844,12 @@
             </a:pPr>
             <a:r>
               <a:rPr lang="ko-KR" altLang="en-US" sz="3600" dirty="0"/>
-              <a:t>파이썬 기초 이론</a:t>
-            </a:r>
-            <a:endParaRPr lang="en-US" altLang="ko-KR" sz="3600" dirty="0"/>
+              <a:t>파이썬 기초 </a:t>
+            </a:r>
+            <a:r>
+              <a:rPr lang="en-US" altLang="ko-KR" sz="3600" dirty="0"/>
+              <a:t>02</a:t>
+            </a:r>
           </a:p>
         </p:txBody>
       </p:sp>
@@ -3905,7 +3908,7 @@
         <p:push/>
       </p:transition>
     </mc:Choice>
-    <mc:Fallback xmlns="" xmlns:c="http://schemas.openxmlformats.org/drawingml/2006/chart" xmlns:dgm="http://schemas.openxmlformats.org/drawingml/2006/diagram" xmlns:dsp="http://schemas.microsoft.com/office/drawing/2008/diagram">
+    <mc:Fallback xmlns:dsp="http://schemas.microsoft.com/office/drawing/2008/diagram" xmlns:dgm="http://schemas.openxmlformats.org/drawingml/2006/diagram" xmlns:c="http://schemas.openxmlformats.org/drawingml/2006/chart" xmlns="">
       <p:transition xmlns:mc="http://schemas.openxmlformats.org/markup-compatibility/2006" xmlns:hp="http://schemas.haansoft.com/office/presentation/8.0" spd="med" mc:Ignorable="hp" hp:hslDur="1000">
         <p:fade/>
       </p:transition>
